--- a/Documents/Descriptif.pptx
+++ b/Documents/Descriptif.pptx
@@ -11,6 +11,7 @@
     <p:sldId id="258" r:id="rId5"/>
     <p:sldId id="260" r:id="rId6"/>
     <p:sldId id="259" r:id="rId7"/>
+    <p:sldId id="263" r:id="rId8"/>
   </p:sldIdLst>
   <p:sldSz cx="12192000" cy="6858000"/>
   <p:notesSz cx="6858000" cy="9144000"/>
@@ -118,7 +119,11 @@
 </file>
 
 <file path=ppt/revisionInfo.xml><?xml version="1.0" encoding="utf-8"?>
-<p1510:revInfo xmlns:a="http://schemas.openxmlformats.org/drawingml/2006/main" xmlns:r="http://schemas.openxmlformats.org/officeDocument/2006/relationships" xmlns:p1510="http://schemas.microsoft.com/office/powerpoint/2015/10/main"/>
+<p1510:revInfo xmlns:a="http://schemas.openxmlformats.org/drawingml/2006/main" xmlns:r="http://schemas.openxmlformats.org/officeDocument/2006/relationships" xmlns:p1510="http://schemas.microsoft.com/office/powerpoint/2015/10/main">
+  <p1510:revLst>
+    <p1510:client id="{89391433-4854-4B5D-95DA-396C000325EE}" v="269" dt="2017-06-13T16:54:28.530"/>
+  </p1510:revLst>
+</p1510:revInfo>
 </file>
 
 <file path=ppt/slideLayouts/slideLayout1.xml><?xml version="1.0" encoding="utf-8"?>
@@ -268,7 +273,7 @@
           <a:p>
             <a:fld id="{811B74F4-BBCD-4282-8A89-15F8C25B0594}" type="datetimeFigureOut">
               <a:rPr lang="fr-FR" smtClean="0"/>
-              <a:t>09/06/2017</a:t>
+              <a:t>13/06/2017</a:t>
             </a:fld>
             <a:endParaRPr lang="fr-FR"/>
           </a:p>
@@ -466,7 +471,7 @@
           <a:p>
             <a:fld id="{811B74F4-BBCD-4282-8A89-15F8C25B0594}" type="datetimeFigureOut">
               <a:rPr lang="fr-FR" smtClean="0"/>
-              <a:t>09/06/2017</a:t>
+              <a:t>13/06/2017</a:t>
             </a:fld>
             <a:endParaRPr lang="fr-FR"/>
           </a:p>
@@ -674,7 +679,7 @@
           <a:p>
             <a:fld id="{811B74F4-BBCD-4282-8A89-15F8C25B0594}" type="datetimeFigureOut">
               <a:rPr lang="fr-FR" smtClean="0"/>
-              <a:t>09/06/2017</a:t>
+              <a:t>13/06/2017</a:t>
             </a:fld>
             <a:endParaRPr lang="fr-FR"/>
           </a:p>
@@ -872,7 +877,7 @@
           <a:p>
             <a:fld id="{811B74F4-BBCD-4282-8A89-15F8C25B0594}" type="datetimeFigureOut">
               <a:rPr lang="fr-FR" smtClean="0"/>
-              <a:t>09/06/2017</a:t>
+              <a:t>13/06/2017</a:t>
             </a:fld>
             <a:endParaRPr lang="fr-FR"/>
           </a:p>
@@ -1147,7 +1152,7 @@
           <a:p>
             <a:fld id="{811B74F4-BBCD-4282-8A89-15F8C25B0594}" type="datetimeFigureOut">
               <a:rPr lang="fr-FR" smtClean="0"/>
-              <a:t>09/06/2017</a:t>
+              <a:t>13/06/2017</a:t>
             </a:fld>
             <a:endParaRPr lang="fr-FR"/>
           </a:p>
@@ -1412,7 +1417,7 @@
           <a:p>
             <a:fld id="{811B74F4-BBCD-4282-8A89-15F8C25B0594}" type="datetimeFigureOut">
               <a:rPr lang="fr-FR" smtClean="0"/>
-              <a:t>09/06/2017</a:t>
+              <a:t>13/06/2017</a:t>
             </a:fld>
             <a:endParaRPr lang="fr-FR"/>
           </a:p>
@@ -1824,7 +1829,7 @@
           <a:p>
             <a:fld id="{811B74F4-BBCD-4282-8A89-15F8C25B0594}" type="datetimeFigureOut">
               <a:rPr lang="fr-FR" smtClean="0"/>
-              <a:t>09/06/2017</a:t>
+              <a:t>13/06/2017</a:t>
             </a:fld>
             <a:endParaRPr lang="fr-FR"/>
           </a:p>
@@ -1965,7 +1970,7 @@
           <a:p>
             <a:fld id="{811B74F4-BBCD-4282-8A89-15F8C25B0594}" type="datetimeFigureOut">
               <a:rPr lang="fr-FR" smtClean="0"/>
-              <a:t>09/06/2017</a:t>
+              <a:t>13/06/2017</a:t>
             </a:fld>
             <a:endParaRPr lang="fr-FR"/>
           </a:p>
@@ -2078,7 +2083,7 @@
           <a:p>
             <a:fld id="{811B74F4-BBCD-4282-8A89-15F8C25B0594}" type="datetimeFigureOut">
               <a:rPr lang="fr-FR" smtClean="0"/>
-              <a:t>09/06/2017</a:t>
+              <a:t>13/06/2017</a:t>
             </a:fld>
             <a:endParaRPr lang="fr-FR"/>
           </a:p>
@@ -2389,7 +2394,7 @@
           <a:p>
             <a:fld id="{811B74F4-BBCD-4282-8A89-15F8C25B0594}" type="datetimeFigureOut">
               <a:rPr lang="fr-FR" smtClean="0"/>
-              <a:t>09/06/2017</a:t>
+              <a:t>13/06/2017</a:t>
             </a:fld>
             <a:endParaRPr lang="fr-FR"/>
           </a:p>
@@ -2677,7 +2682,7 @@
           <a:p>
             <a:fld id="{811B74F4-BBCD-4282-8A89-15F8C25B0594}" type="datetimeFigureOut">
               <a:rPr lang="fr-FR" smtClean="0"/>
-              <a:t>09/06/2017</a:t>
+              <a:t>13/06/2017</a:t>
             </a:fld>
             <a:endParaRPr lang="fr-FR"/>
           </a:p>
@@ -2918,7 +2923,7 @@
           <a:p>
             <a:fld id="{811B74F4-BBCD-4282-8A89-15F8C25B0594}" type="datetimeFigureOut">
               <a:rPr lang="fr-FR" smtClean="0"/>
-              <a:t>09/06/2017</a:t>
+              <a:t>13/06/2017</a:t>
             </a:fld>
             <a:endParaRPr lang="fr-FR"/>
           </a:p>
@@ -4712,7 +4717,7 @@
           <a:p>
             <a:r>
               <a:rPr lang="fr-FR" sz="2200" dirty="0"/>
-              <a:t>0-1|</a:t>
+              <a:t>0|</a:t>
             </a:r>
             <a:r>
               <a:rPr lang="fr-FR" sz="2200" dirty="0">
@@ -4736,18 +4741,6 @@
             </a:r>
             <a:r>
               <a:rPr lang="fr-FR" sz="2200" dirty="0"/>
-              <a:t>-</a:t>
-            </a:r>
-            <a:r>
-              <a:rPr lang="fr-FR" sz="2200" dirty="0">
-                <a:solidFill>
-                  <a:schemeClr val="accent2"/>
-                </a:solidFill>
-              </a:rPr>
-              <a:t>1 2 3 4 5</a:t>
-            </a:r>
-            <a:r>
-              <a:rPr lang="fr-FR" sz="2200" dirty="0"/>
               <a:t>|</a:t>
             </a:r>
             <a:r>
@@ -4776,17 +4769,21 @@
             </a:r>
             <a:r>
               <a:rPr lang="fr-FR" sz="2200" dirty="0">
-                <a:ln w="0"/>
+                <a:solidFill>
+                  <a:schemeClr val="accent2"/>
+                </a:solidFill>
+              </a:rPr>
+              <a:t>1-2-3-4-5</a:t>
+            </a:r>
+            <a:r>
+              <a:rPr lang="fr-FR" sz="2200" dirty="0"/>
+              <a:t>|</a:t>
+            </a:r>
+            <a:r>
+              <a:rPr lang="fr-FR" sz="2200" dirty="0">
                 <a:solidFill>
                   <a:schemeClr val="accent1"/>
                 </a:solidFill>
-                <a:effectLst>
-                  <a:outerShdw blurRad="38100" dist="25400" dir="5400000" algn="ctr" rotWithShape="0">
-                    <a:srgbClr val="6E747A">
-                      <a:alpha val="43000"/>
-                    </a:srgbClr>
-                  </a:outerShdw>
-                </a:effectLst>
               </a:rPr>
               <a:t>3-4</a:t>
             </a:r>
@@ -4826,6 +4823,18 @@
               </a:rPr>
               <a:t>1-0</a:t>
             </a:r>
+            <a:r>
+              <a:rPr lang="fr-FR" sz="2200" dirty="0"/>
+              <a:t>|</a:t>
+            </a:r>
+            <a:r>
+              <a:rPr lang="fr-FR" sz="2200" dirty="0">
+                <a:solidFill>
+                  <a:srgbClr val="00B0F0"/>
+                </a:solidFill>
+              </a:rPr>
+              <a:t>0</a:t>
+            </a:r>
           </a:p>
         </p:txBody>
       </p:sp>
@@ -4843,7 +4852,7 @@
         </p:nvSpPr>
         <p:spPr>
           <a:xfrm>
-            <a:off x="258689" y="225835"/>
+            <a:off x="191577" y="225835"/>
             <a:ext cx="1182847" cy="2936147"/>
           </a:xfrm>
           <a:prstGeom prst="downArrowCallout">
@@ -4899,7 +4908,7 @@
         </p:nvSpPr>
         <p:spPr>
           <a:xfrm>
-            <a:off x="1168167" y="3541006"/>
+            <a:off x="966831" y="3541006"/>
             <a:ext cx="1132514" cy="2387498"/>
           </a:xfrm>
           <a:prstGeom prst="upArrowCallout">
@@ -4986,10 +4995,10 @@
       </p:sp>
       <p:sp>
         <p:nvSpPr>
-          <p:cNvPr id="8" name="Légende : flèche vers le haut 7">
-            <a:extLst>
-              <a:ext uri="{FF2B5EF4-FFF2-40B4-BE49-F238E27FC236}">
-                <a16:creationId xmlns:a16="http://schemas.microsoft.com/office/drawing/2014/main" id="{F24DB844-2EEE-4494-85A4-447CE202AF1C}"/>
+          <p:cNvPr id="11" name="Légende : flèche vers le bas 10">
+            <a:extLst>
+              <a:ext uri="{FF2B5EF4-FFF2-40B4-BE49-F238E27FC236}">
+                <a16:creationId xmlns:a16="http://schemas.microsoft.com/office/drawing/2014/main" id="{C3F5EF1D-8BAB-4671-BB54-2DC88B7EBCFE}"/>
               </a:ext>
             </a:extLst>
           </p:cNvPr>
@@ -4998,66 +5007,7 @@
         </p:nvSpPr>
         <p:spPr>
           <a:xfrm>
-            <a:off x="10725591" y="3509963"/>
-            <a:ext cx="1023457" cy="1305318"/>
-          </a:xfrm>
-          <a:prstGeom prst="upArrowCallout">
-            <a:avLst>
-              <a:gd name="adj1" fmla="val 9016"/>
-              <a:gd name="adj2" fmla="val 17213"/>
-              <a:gd name="adj3" fmla="val 20902"/>
-              <a:gd name="adj4" fmla="val 65216"/>
-            </a:avLst>
-          </a:prstGeom>
-        </p:spPr>
-        <p:style>
-          <a:lnRef idx="2">
-            <a:schemeClr val="accent2"/>
-          </a:lnRef>
-          <a:fillRef idx="1">
-            <a:schemeClr val="lt1"/>
-          </a:fillRef>
-          <a:effectRef idx="0">
-            <a:schemeClr val="accent2"/>
-          </a:effectRef>
-          <a:fontRef idx="minor">
-            <a:schemeClr val="dk1"/>
-          </a:fontRef>
-        </p:style>
-        <p:txBody>
-          <a:bodyPr rtlCol="0" anchor="ctr"/>
-          <a:lstStyle/>
-          <a:p>
-            <a:pPr algn="ctr"/>
-            <a:r>
-              <a:rPr lang="fr-FR" sz="1200" dirty="0"/>
-              <a:t>Id dernière carte jouée visibilité</a:t>
-            </a:r>
-          </a:p>
-          <a:p>
-            <a:pPr algn="ctr"/>
-            <a:r>
-              <a:rPr lang="fr-FR" sz="1200" dirty="0"/>
-              <a:t> (0 ou 1)</a:t>
-            </a:r>
-          </a:p>
-        </p:txBody>
-      </p:sp>
-      <p:sp>
-        <p:nvSpPr>
-          <p:cNvPr id="11" name="Légende : flèche vers le bas 10">
-            <a:extLst>
-              <a:ext uri="{FF2B5EF4-FFF2-40B4-BE49-F238E27FC236}">
-                <a16:creationId xmlns:a16="http://schemas.microsoft.com/office/drawing/2014/main" id="{C3F5EF1D-8BAB-4671-BB54-2DC88B7EBCFE}"/>
-              </a:ext>
-            </a:extLst>
-          </p:cNvPr>
-          <p:cNvSpPr/>
-          <p:nvPr/>
-        </p:nvSpPr>
-        <p:spPr>
-          <a:xfrm>
-            <a:off x="9739211" y="184560"/>
+            <a:off x="9571431" y="184560"/>
             <a:ext cx="1644245" cy="2894201"/>
           </a:xfrm>
           <a:prstGeom prst="downArrowCallout">
@@ -5105,10 +5055,10 @@
       </p:sp>
       <p:sp>
         <p:nvSpPr>
-          <p:cNvPr id="13" name="Légende : flèche vers le haut 12">
-            <a:extLst>
-              <a:ext uri="{FF2B5EF4-FFF2-40B4-BE49-F238E27FC236}">
-                <a16:creationId xmlns:a16="http://schemas.microsoft.com/office/drawing/2014/main" id="{A76DF4FB-D8D8-43B6-985D-022EA2272C4A}"/>
+          <p:cNvPr id="16" name="Légende : flèche vers le bas 15">
+            <a:extLst>
+              <a:ext uri="{FF2B5EF4-FFF2-40B4-BE49-F238E27FC236}">
+                <a16:creationId xmlns:a16="http://schemas.microsoft.com/office/drawing/2014/main" id="{F43BE4AD-D3A5-4388-9CD8-15220BAA5C6E}"/>
               </a:ext>
             </a:extLst>
           </p:cNvPr>
@@ -5117,59 +5067,7 @@
         </p:nvSpPr>
         <p:spPr>
           <a:xfrm>
-            <a:off x="3060932" y="3509963"/>
-            <a:ext cx="1023457" cy="1224792"/>
-          </a:xfrm>
-          <a:prstGeom prst="upArrowCallout">
-            <a:avLst>
-              <a:gd name="adj1" fmla="val 17213"/>
-              <a:gd name="adj2" fmla="val 50000"/>
-              <a:gd name="adj3" fmla="val 34836"/>
-              <a:gd name="adj4" fmla="val 51720"/>
-            </a:avLst>
-          </a:prstGeom>
-        </p:spPr>
-        <p:style>
-          <a:lnRef idx="2">
-            <a:schemeClr val="accent2"/>
-          </a:lnRef>
-          <a:fillRef idx="1">
-            <a:schemeClr val="lt1"/>
-          </a:fillRef>
-          <a:effectRef idx="0">
-            <a:schemeClr val="accent2"/>
-          </a:effectRef>
-          <a:fontRef idx="minor">
-            <a:schemeClr val="dk1"/>
-          </a:fontRef>
-        </p:style>
-        <p:txBody>
-          <a:bodyPr rtlCol="0" anchor="ctr"/>
-          <a:lstStyle/>
-          <a:p>
-            <a:pPr algn="ctr"/>
-            <a:r>
-              <a:rPr lang="fr-FR" sz="1200" dirty="0"/>
-              <a:t>Id des cartes dans sa main</a:t>
-            </a:r>
-          </a:p>
-        </p:txBody>
-      </p:sp>
-      <p:sp>
-        <p:nvSpPr>
-          <p:cNvPr id="16" name="Légende : flèche vers le bas 15">
-            <a:extLst>
-              <a:ext uri="{FF2B5EF4-FFF2-40B4-BE49-F238E27FC236}">
-                <a16:creationId xmlns:a16="http://schemas.microsoft.com/office/drawing/2014/main" id="{F43BE4AD-D3A5-4388-9CD8-15220BAA5C6E}"/>
-              </a:ext>
-            </a:extLst>
-          </p:cNvPr>
-          <p:cNvSpPr/>
-          <p:nvPr/>
-        </p:nvSpPr>
-        <p:spPr>
-          <a:xfrm>
-            <a:off x="1723238" y="1216402"/>
+            <a:off x="1521902" y="1216402"/>
             <a:ext cx="1856761" cy="1859039"/>
           </a:xfrm>
           <a:prstGeom prst="downArrowCallout">
@@ -5253,24 +5151,6 @@
             </a:r>
             <a:endParaRPr lang="fr-FR" sz="1200" dirty="0"/>
           </a:p>
-          <a:p>
-            <a:pPr marL="171450" indent="-171450" algn="ctr">
-              <a:buFontTx/>
-              <a:buChar char="-"/>
-            </a:pPr>
-            <a:r>
-              <a:rPr lang="fr-FR" sz="1200" dirty="0" err="1"/>
-              <a:t>NbValise</a:t>
-            </a:r>
-            <a:r>
-              <a:rPr lang="fr-FR" sz="1200" dirty="0"/>
-              <a:t> </a:t>
-            </a:r>
-          </a:p>
-          <a:p>
-            <a:pPr algn="ctr"/>
-            <a:endParaRPr lang="fr-FR" sz="1200" dirty="0"/>
-          </a:p>
         </p:txBody>
       </p:sp>
       <p:sp>
@@ -5287,7 +5167,7 @@
         </p:nvSpPr>
         <p:spPr>
           <a:xfrm>
-            <a:off x="9892287" y="2290996"/>
+            <a:off x="9732896" y="2290996"/>
             <a:ext cx="1856761" cy="787303"/>
           </a:xfrm>
           <a:prstGeom prst="downArrowCallout">
@@ -5399,7 +5279,7 @@
         </p:nvSpPr>
         <p:spPr>
           <a:xfrm>
-            <a:off x="4151850" y="3509963"/>
+            <a:off x="3896785" y="3536959"/>
             <a:ext cx="1070295" cy="2387498"/>
           </a:xfrm>
           <a:prstGeom prst="upArrowCallout">
@@ -5498,7 +5378,7 @@
         </p:nvSpPr>
         <p:spPr>
           <a:xfrm>
-            <a:off x="5569423" y="3426262"/>
+            <a:off x="5339506" y="3413490"/>
             <a:ext cx="1512988" cy="1498265"/>
           </a:xfrm>
           <a:prstGeom prst="upArrowCallout">
@@ -5553,10 +5433,10 @@
       </p:sp>
       <p:sp>
         <p:nvSpPr>
-          <p:cNvPr id="20" name="Légende : flèche vers le bas 19">
-            <a:extLst>
-              <a:ext uri="{FF2B5EF4-FFF2-40B4-BE49-F238E27FC236}">
-                <a16:creationId xmlns:a16="http://schemas.microsoft.com/office/drawing/2014/main" id="{2A71F28F-5AD6-4752-A0D5-644FF8D15E55}"/>
+          <p:cNvPr id="21" name="Légende : flèche vers le haut 20">
+            <a:extLst>
+              <a:ext uri="{FF2B5EF4-FFF2-40B4-BE49-F238E27FC236}">
+                <a16:creationId xmlns:a16="http://schemas.microsoft.com/office/drawing/2014/main" id="{39E4AF3B-CE10-4D2F-8A24-9AAD88CCC545}"/>
               </a:ext>
             </a:extLst>
           </p:cNvPr>
@@ -5565,15 +5445,15 @@
         </p:nvSpPr>
         <p:spPr>
           <a:xfrm>
-            <a:off x="5073996" y="1302943"/>
-            <a:ext cx="1108299" cy="1859039"/>
+            <a:off x="2758286" y="3541006"/>
+            <a:ext cx="1070295" cy="2387498"/>
           </a:xfrm>
-          <a:prstGeom prst="downArrowCallout">
+          <a:prstGeom prst="upArrowCallout">
             <a:avLst>
-              <a:gd name="adj1" fmla="val 16528"/>
-              <a:gd name="adj2" fmla="val 30215"/>
-              <a:gd name="adj3" fmla="val 13324"/>
-              <a:gd name="adj4" fmla="val 74001"/>
+              <a:gd name="adj1" fmla="val 17337"/>
+              <a:gd name="adj2" fmla="val 33950"/>
+              <a:gd name="adj3" fmla="val 14344"/>
+              <a:gd name="adj4" fmla="val 64977"/>
             </a:avLst>
           </a:prstGeom>
         </p:spPr>
@@ -5598,7 +5478,7 @@
             <a:pPr algn="ctr"/>
             <a:r>
               <a:rPr lang="fr-FR" sz="1200" dirty="0"/>
-              <a:t>Infos Joueur 3</a:t>
+              <a:t>Infos Joueur 2</a:t>
             </a:r>
           </a:p>
           <a:p>
@@ -5652,10 +5532,10 @@
       </p:sp>
       <p:sp>
         <p:nvSpPr>
-          <p:cNvPr id="5" name="Légende : flèche vers le bas 4">
-            <a:extLst>
-              <a:ext uri="{FF2B5EF4-FFF2-40B4-BE49-F238E27FC236}">
-                <a16:creationId xmlns:a16="http://schemas.microsoft.com/office/drawing/2014/main" id="{1A0CEA49-E802-4ABF-9AFC-3D4CD2BCE0C0}"/>
+          <p:cNvPr id="22" name="Légende : flèche vers le bas 21">
+            <a:extLst>
+              <a:ext uri="{FF2B5EF4-FFF2-40B4-BE49-F238E27FC236}">
+                <a16:creationId xmlns:a16="http://schemas.microsoft.com/office/drawing/2014/main" id="{4C224132-B221-45CF-AB95-EA8D0B7305C3}"/>
               </a:ext>
             </a:extLst>
           </p:cNvPr>
@@ -5664,27 +5544,27 @@
         </p:nvSpPr>
         <p:spPr>
           <a:xfrm>
-            <a:off x="437856" y="1257678"/>
-            <a:ext cx="1366007" cy="1904304"/>
+            <a:off x="4587087" y="1950596"/>
+            <a:ext cx="1644245" cy="1124845"/>
           </a:xfrm>
           <a:prstGeom prst="downArrowCallout">
             <a:avLst>
-              <a:gd name="adj1" fmla="val 5522"/>
-              <a:gd name="adj2" fmla="val 8264"/>
+              <a:gd name="adj1" fmla="val 12446"/>
+              <a:gd name="adj2" fmla="val 33320"/>
               <a:gd name="adj3" fmla="val 13324"/>
-              <a:gd name="adj4" fmla="val 40412"/>
+              <a:gd name="adj4" fmla="val 71798"/>
             </a:avLst>
           </a:prstGeom>
         </p:spPr>
         <p:style>
           <a:lnRef idx="2">
-            <a:schemeClr val="accent1"/>
+            <a:schemeClr val="accent2"/>
           </a:lnRef>
           <a:fillRef idx="1">
             <a:schemeClr val="lt1"/>
           </a:fillRef>
           <a:effectRef idx="0">
-            <a:schemeClr val="accent1"/>
+            <a:schemeClr val="accent2"/>
           </a:effectRef>
           <a:fontRef idx="minor">
             <a:schemeClr val="dk1"/>
@@ -5696,18 +5576,171 @@
           <a:p>
             <a:pPr algn="ctr"/>
             <a:r>
-              <a:rPr lang="fr-FR" sz="1200" dirty="0" err="1"/>
-              <a:t>Num</a:t>
-            </a:r>
-            <a:r>
               <a:rPr lang="fr-FR" sz="1200" dirty="0"/>
-              <a:t> joueur à qui on a envoyé le </a:t>
-            </a:r>
-            <a:r>
-              <a:rPr lang="fr-FR" sz="1200" dirty="0" err="1"/>
-              <a:t>msg</a:t>
+              <a:t>Id des cartes dans sa main</a:t>
+            </a:r>
+          </a:p>
+        </p:txBody>
+      </p:sp>
+      <p:sp>
+        <p:nvSpPr>
+          <p:cNvPr id="20" name="Légende : flèche vers le haut 19">
+            <a:extLst>
+              <a:ext uri="{FF2B5EF4-FFF2-40B4-BE49-F238E27FC236}">
+                <a16:creationId xmlns:a16="http://schemas.microsoft.com/office/drawing/2014/main" id="{DC45DE38-75E4-4DB4-92F2-A61734793547}"/>
+              </a:ext>
+            </a:extLst>
+          </p:cNvPr>
+          <p:cNvSpPr/>
+          <p:nvPr/>
+        </p:nvSpPr>
+        <p:spPr>
+          <a:xfrm>
+            <a:off x="10771872" y="3446278"/>
+            <a:ext cx="1223167" cy="2930953"/>
+          </a:xfrm>
+          <a:prstGeom prst="upArrowCallout">
+            <a:avLst>
+              <a:gd name="adj1" fmla="val 9016"/>
+              <a:gd name="adj2" fmla="val 17213"/>
+              <a:gd name="adj3" fmla="val 20902"/>
+              <a:gd name="adj4" fmla="val 51358"/>
+            </a:avLst>
+          </a:prstGeom>
+          <a:ln>
+            <a:solidFill>
+              <a:srgbClr val="00B0F0"/>
+            </a:solidFill>
+          </a:ln>
+        </p:spPr>
+        <p:style>
+          <a:lnRef idx="2">
+            <a:schemeClr val="accent2"/>
+          </a:lnRef>
+          <a:fillRef idx="1">
+            <a:schemeClr val="lt1"/>
+          </a:fillRef>
+          <a:effectRef idx="0">
+            <a:schemeClr val="accent2"/>
+          </a:effectRef>
+          <a:fontRef idx="minor">
+            <a:schemeClr val="dk1"/>
+          </a:fontRef>
+        </p:style>
+        <p:txBody>
+          <a:bodyPr rtlCol="0" anchor="ctr"/>
+          <a:lstStyle/>
+          <a:p>
+            <a:pPr algn="ctr"/>
+            <a:r>
+              <a:rPr lang="fr-FR" sz="1200" dirty="0"/>
+              <a:t>Etat du jeu:</a:t>
+            </a:r>
+          </a:p>
+          <a:p>
+            <a:pPr algn="ctr"/>
+            <a:r>
+              <a:rPr lang="fr-FR" sz="1200" dirty="0"/>
+              <a:t>0 </a:t>
+            </a:r>
+            <a:r>
+              <a:rPr lang="fr-FR" sz="1200" dirty="0">
+                <a:sym typeface="Wingdings" panose="05000000000000000000" pitchFamily="2" charset="2"/>
+              </a:rPr>
+              <a:t>attente </a:t>
             </a:r>
             <a:endParaRPr lang="fr-FR" sz="1200" dirty="0"/>
+          </a:p>
+          <a:p>
+            <a:pPr algn="ctr"/>
+            <a:r>
+              <a:rPr lang="fr-FR" sz="1200" dirty="0"/>
+              <a:t>1 </a:t>
+            </a:r>
+            <a:r>
+              <a:rPr lang="fr-FR" sz="1200" dirty="0">
+                <a:sym typeface="Wingdings" panose="05000000000000000000" pitchFamily="2" charset="2"/>
+              </a:rPr>
+              <a:t> joueur joue</a:t>
+            </a:r>
+          </a:p>
+          <a:p>
+            <a:pPr algn="ctr"/>
+            <a:r>
+              <a:rPr lang="fr-FR" sz="1200" dirty="0">
+                <a:sym typeface="Wingdings" panose="05000000000000000000" pitchFamily="2" charset="2"/>
+              </a:rPr>
+              <a:t>2  fin manche</a:t>
+            </a:r>
+          </a:p>
+          <a:p>
+            <a:pPr algn="ctr"/>
+            <a:r>
+              <a:rPr lang="fr-FR" sz="1200" dirty="0">
+                <a:sym typeface="Wingdings" panose="05000000000000000000" pitchFamily="2" charset="2"/>
+              </a:rPr>
+              <a:t>3  fin jeu </a:t>
+            </a:r>
+            <a:endParaRPr lang="fr-FR" sz="1200" dirty="0"/>
+          </a:p>
+        </p:txBody>
+      </p:sp>
+      <p:sp>
+        <p:nvSpPr>
+          <p:cNvPr id="8" name="Légende : flèche vers le haut 7">
+            <a:extLst>
+              <a:ext uri="{FF2B5EF4-FFF2-40B4-BE49-F238E27FC236}">
+                <a16:creationId xmlns:a16="http://schemas.microsoft.com/office/drawing/2014/main" id="{F24DB844-2EEE-4494-85A4-447CE202AF1C}"/>
+              </a:ext>
+            </a:extLst>
+          </p:cNvPr>
+          <p:cNvSpPr/>
+          <p:nvPr/>
+        </p:nvSpPr>
+        <p:spPr>
+          <a:xfrm>
+            <a:off x="10561333" y="3509963"/>
+            <a:ext cx="1023457" cy="1305318"/>
+          </a:xfrm>
+          <a:prstGeom prst="upArrowCallout">
+            <a:avLst>
+              <a:gd name="adj1" fmla="val 9016"/>
+              <a:gd name="adj2" fmla="val 17213"/>
+              <a:gd name="adj3" fmla="val 20902"/>
+              <a:gd name="adj4" fmla="val 65216"/>
+            </a:avLst>
+          </a:prstGeom>
+        </p:spPr>
+        <p:style>
+          <a:lnRef idx="2">
+            <a:schemeClr val="accent2"/>
+          </a:lnRef>
+          <a:fillRef idx="1">
+            <a:schemeClr val="lt1"/>
+          </a:fillRef>
+          <a:effectRef idx="0">
+            <a:schemeClr val="accent2"/>
+          </a:effectRef>
+          <a:fontRef idx="minor">
+            <a:schemeClr val="dk1"/>
+          </a:fontRef>
+        </p:style>
+        <p:txBody>
+          <a:bodyPr rtlCol="0" anchor="ctr"/>
+          <a:lstStyle/>
+          <a:p>
+            <a:pPr algn="ctr"/>
+            <a:r>
+              <a:rPr lang="fr-FR" sz="1200" dirty="0"/>
+              <a:t>Id dernière carte jouée visibilité</a:t>
+            </a:r>
+          </a:p>
+          <a:p>
+            <a:pPr algn="ctr"/>
+            <a:r>
+              <a:rPr lang="fr-FR" sz="1200" dirty="0"/>
+              <a:t> (0 ou 1)</a:t>
+            </a:r>
           </a:p>
         </p:txBody>
       </p:sp>
@@ -5769,7 +5802,7 @@
           <a:p>
             <a:r>
               <a:rPr lang="fr-FR" dirty="0"/>
-              <a:t>Actions joueurs</a:t>
+              <a:t>Messages envoyé par le client</a:t>
             </a:r>
           </a:p>
         </p:txBody>
@@ -5803,6 +5836,16 @@
           <a:lstStyle/>
           <a:p>
             <a:pPr marL="342900" indent="-342900">
+              <a:buFont typeface="+mj-lt"/>
+              <a:buAutoNum type="arabicPeriod"/>
+            </a:pPr>
+            <a:r>
+              <a:rPr lang="fr-FR" dirty="0"/>
+              <a:t>Actions joueur</a:t>
+            </a:r>
+          </a:p>
+          <a:p>
+            <a:pPr marL="800100" lvl="1" indent="-342900">
               <a:buFont typeface="+mj-lt"/>
               <a:buAutoNum type="arabicPeriod"/>
             </a:pPr>
@@ -5842,7 +5885,7 @@
             </a:r>
           </a:p>
           <a:p>
-            <a:pPr lvl="1"/>
+            <a:pPr lvl="2"/>
             <a:r>
               <a:rPr lang="fr-FR" dirty="0">
                 <a:sym typeface="Wingdings" panose="05000000000000000000" pitchFamily="2" charset="2"/>
@@ -5873,10 +5916,15 @@
               </a:rPr>
               <a:t>»</a:t>
             </a:r>
-            <a:endParaRPr lang="fr-FR" dirty="0"/>
-          </a:p>
-          <a:p>
-            <a:pPr marL="342900" indent="-342900">
+            <a:endParaRPr lang="fr-FR" dirty="0">
+              <a:solidFill>
+                <a:schemeClr val="accent6"/>
+              </a:solidFill>
+              <a:sym typeface="Wingdings" panose="05000000000000000000" pitchFamily="2" charset="2"/>
+            </a:endParaRPr>
+          </a:p>
+          <a:p>
+            <a:pPr marL="800100" lvl="1" indent="-342900">
               <a:buFont typeface="+mj-lt"/>
               <a:buAutoNum type="arabicPeriod"/>
             </a:pPr>
@@ -5916,7 +5964,7 @@
             </a:r>
           </a:p>
           <a:p>
-            <a:pPr lvl="1"/>
+            <a:pPr lvl="2"/>
             <a:r>
               <a:rPr lang="fr-FR" dirty="0"/>
               <a:t>Exemple : « </a:t>
@@ -5945,7 +5993,163 @@
               </a:rPr>
               <a:t>»</a:t>
             </a:r>
-            <a:endParaRPr lang="fr-FR" dirty="0"/>
+          </a:p>
+          <a:p>
+            <a:pPr marL="800100" lvl="1" indent="-342900">
+              <a:buFont typeface="+mj-lt"/>
+              <a:buAutoNum type="arabicPeriod"/>
+            </a:pPr>
+            <a:r>
+              <a:rPr lang="fr-FR" dirty="0">
+                <a:sym typeface="Wingdings" panose="05000000000000000000" pitchFamily="2" charset="2"/>
+              </a:rPr>
+              <a:t>Choisir entre haut(</a:t>
+            </a:r>
+            <a:r>
+              <a:rPr lang="fr-FR" sz="2000" dirty="0">
+                <a:solidFill>
+                  <a:schemeClr val="accent6"/>
+                </a:solidFill>
+                <a:sym typeface="Wingdings" panose="05000000000000000000" pitchFamily="2" charset="2"/>
+              </a:rPr>
+              <a:t>0</a:t>
+            </a:r>
+            <a:r>
+              <a:rPr lang="fr-FR" dirty="0">
+                <a:sym typeface="Wingdings" panose="05000000000000000000" pitchFamily="2" charset="2"/>
+              </a:rPr>
+              <a:t>)/bas(</a:t>
+            </a:r>
+            <a:r>
+              <a:rPr lang="fr-FR" sz="2000" dirty="0">
+                <a:solidFill>
+                  <a:schemeClr val="accent6"/>
+                </a:solidFill>
+                <a:sym typeface="Wingdings" panose="05000000000000000000" pitchFamily="2" charset="2"/>
+              </a:rPr>
+              <a:t>1</a:t>
+            </a:r>
+            <a:r>
+              <a:rPr lang="fr-FR" dirty="0">
+                <a:sym typeface="Wingdings" panose="05000000000000000000" pitchFamily="2" charset="2"/>
+              </a:rPr>
+              <a:t>) ou droite(</a:t>
+            </a:r>
+            <a:r>
+              <a:rPr lang="fr-FR" sz="2000" dirty="0">
+                <a:solidFill>
+                  <a:schemeClr val="accent6"/>
+                </a:solidFill>
+                <a:sym typeface="Wingdings" panose="05000000000000000000" pitchFamily="2" charset="2"/>
+              </a:rPr>
+              <a:t>0</a:t>
+            </a:r>
+            <a:r>
+              <a:rPr lang="fr-FR" dirty="0">
+                <a:sym typeface="Wingdings" panose="05000000000000000000" pitchFamily="2" charset="2"/>
+              </a:rPr>
+              <a:t>)/gauche(</a:t>
+            </a:r>
+            <a:r>
+              <a:rPr lang="fr-FR" sz="2000" dirty="0">
+                <a:solidFill>
+                  <a:schemeClr val="accent6"/>
+                </a:solidFill>
+                <a:sym typeface="Wingdings" panose="05000000000000000000" pitchFamily="2" charset="2"/>
+              </a:rPr>
+              <a:t>1</a:t>
+            </a:r>
+            <a:r>
+              <a:rPr lang="fr-FR" dirty="0">
+                <a:sym typeface="Wingdings" panose="05000000000000000000" pitchFamily="2" charset="2"/>
+              </a:rPr>
+              <a:t>)</a:t>
+            </a:r>
+            <a:endParaRPr lang="fr-FR" dirty="0">
+              <a:solidFill>
+                <a:schemeClr val="accent6"/>
+              </a:solidFill>
+              <a:sym typeface="Wingdings" panose="05000000000000000000" pitchFamily="2" charset="2"/>
+            </a:endParaRPr>
+          </a:p>
+          <a:p>
+            <a:pPr lvl="2"/>
+            <a:r>
+              <a:rPr lang="fr-FR" dirty="0"/>
+              <a:t>Exemple : « </a:t>
+            </a:r>
+            <a:r>
+              <a:rPr lang="fr-FR" dirty="0">
+                <a:solidFill>
+                  <a:srgbClr val="FF0000"/>
+                </a:solidFill>
+                <a:sym typeface="Wingdings" panose="05000000000000000000" pitchFamily="2" charset="2"/>
+              </a:rPr>
+              <a:t>2 </a:t>
+            </a:r>
+            <a:r>
+              <a:rPr lang="fr-FR" dirty="0">
+                <a:solidFill>
+                  <a:schemeClr val="accent6"/>
+                </a:solidFill>
+                <a:sym typeface="Wingdings" panose="05000000000000000000" pitchFamily="2" charset="2"/>
+              </a:rPr>
+              <a:t>0 </a:t>
+            </a:r>
+            <a:r>
+              <a:rPr lang="fr-FR" dirty="0">
+                <a:sym typeface="Wingdings" panose="05000000000000000000" pitchFamily="2" charset="2"/>
+              </a:rPr>
+              <a:t>»</a:t>
+            </a:r>
+          </a:p>
+          <a:p>
+            <a:pPr marL="457200" indent="-457200">
+              <a:buFont typeface="+mj-lt"/>
+              <a:buAutoNum type="arabicPeriod"/>
+            </a:pPr>
+            <a:r>
+              <a:rPr lang="fr-FR" dirty="0">
+                <a:sym typeface="Wingdings" panose="05000000000000000000" pitchFamily="2" charset="2"/>
+              </a:rPr>
+              <a:t>Actions d’état de jeu</a:t>
+            </a:r>
+          </a:p>
+          <a:p>
+            <a:pPr marL="914400" lvl="1" indent="-457200">
+              <a:buFont typeface="+mj-lt"/>
+              <a:buAutoNum type="arabicPeriod"/>
+            </a:pPr>
+            <a:r>
+              <a:rPr lang="fr-FR" dirty="0">
+                <a:sym typeface="Wingdings" panose="05000000000000000000" pitchFamily="2" charset="2"/>
+              </a:rPr>
+              <a:t>« 3 »  jouer la carte suivante de la pile</a:t>
+            </a:r>
+          </a:p>
+          <a:p>
+            <a:pPr marL="1371600" lvl="2" indent="-457200">
+              <a:buFont typeface="+mj-lt"/>
+              <a:buAutoNum type="arabicPeriod"/>
+            </a:pPr>
+            <a:r>
+              <a:rPr lang="fr-FR" dirty="0">
+                <a:sym typeface="Wingdings" panose="05000000000000000000" pitchFamily="2" charset="2"/>
+              </a:rPr>
+              <a:t>Réponse serveur « </a:t>
+            </a:r>
+            <a:r>
+              <a:rPr lang="fr-FR" dirty="0" err="1">
+                <a:sym typeface="Wingdings" panose="05000000000000000000" pitchFamily="2" charset="2"/>
+              </a:rPr>
+              <a:t>gamestate</a:t>
+            </a:r>
+            <a:r>
+              <a:rPr lang="fr-FR" dirty="0">
+                <a:sym typeface="Wingdings" panose="05000000000000000000" pitchFamily="2" charset="2"/>
+              </a:rPr>
+              <a:t> précédent » avec id première carte pile</a:t>
+            </a:r>
           </a:p>
         </p:txBody>
       </p:sp>
@@ -6048,7 +6252,17 @@
               <a:rPr lang="fr-FR" sz="2400" dirty="0"/>
               <a:t>Joueurs</a:t>
             </a:r>
-            <a:endParaRPr lang="fr-FR" sz="2000" dirty="0"/>
+          </a:p>
+          <a:p>
+            <a:pPr marL="971550" lvl="1" indent="-514350">
+              <a:buFont typeface="+mj-lt"/>
+              <a:buAutoNum type="arabicPeriod"/>
+            </a:pPr>
+            <a:r>
+              <a:rPr lang="fr-FR" sz="1600" dirty="0" err="1"/>
+              <a:t>NbBalles</a:t>
+            </a:r>
+            <a:endParaRPr lang="fr-FR" sz="1600" dirty="0"/>
           </a:p>
           <a:p>
             <a:pPr marL="971550" lvl="1" indent="-514350">
@@ -6357,9 +6571,9 @@
             </a:pPr>
             <a:r>
               <a:rPr lang="fr-FR" sz="2000" dirty="0" err="1"/>
-              <a:t>NbBourse</a:t>
-            </a:r>
-            <a:endParaRPr lang="fr-FR" sz="2000" dirty="0"/>
+              <a:t>NbBalles</a:t>
+            </a:r>
+            <a:endParaRPr lang="fr-FR" sz="2400" dirty="0"/>
           </a:p>
           <a:p>
             <a:pPr marL="971550" lvl="1" indent="-514350">
@@ -6368,7 +6582,7 @@
             </a:pPr>
             <a:r>
               <a:rPr lang="fr-FR" sz="2000" dirty="0" err="1"/>
-              <a:t>NbDiamant</a:t>
+              <a:t>NbBourse</a:t>
             </a:r>
             <a:endParaRPr lang="fr-FR" sz="2000" dirty="0"/>
           </a:p>
@@ -6379,7 +6593,7 @@
             </a:pPr>
             <a:r>
               <a:rPr lang="fr-FR" sz="2000" dirty="0" err="1"/>
-              <a:t>ListePioche</a:t>
+              <a:t>NbDiamant</a:t>
             </a:r>
             <a:endParaRPr lang="fr-FR" sz="2000" dirty="0"/>
           </a:p>
@@ -6389,6 +6603,17 @@
               <a:buAutoNum type="arabicPeriod"/>
             </a:pPr>
             <a:r>
+              <a:rPr lang="fr-FR" sz="2000" dirty="0" err="1"/>
+              <a:t>ListePioche</a:t>
+            </a:r>
+            <a:endParaRPr lang="fr-FR" sz="2000" dirty="0"/>
+          </a:p>
+          <a:p>
+            <a:pPr marL="971550" lvl="1" indent="-514350">
+              <a:buFont typeface="+mj-lt"/>
+              <a:buAutoNum type="arabicPeriod"/>
+            </a:pPr>
+            <a:r>
               <a:rPr lang="fr-FR" sz="2000" dirty="0"/>
               <a:t>Position</a:t>
             </a:r>
@@ -6557,10 +6782,9 @@
               <a:t>numJoueur</a:t>
             </a:r>
             <a:r>
-              <a:rPr lang="fr-FR" sz="1800"/>
+              <a:rPr lang="fr-FR" sz="1800" dirty="0"/>
               <a:t> = positionValise-9)</a:t>
             </a:r>
-            <a:endParaRPr lang="fr-FR" sz="1800" dirty="0"/>
           </a:p>
           <a:p>
             <a:pPr marL="971550" lvl="1" indent="-514350">
@@ -6575,6 +6799,503 @@
     <p:extLst>
       <p:ext uri="{BB962C8B-B14F-4D97-AF65-F5344CB8AC3E}">
         <p14:creationId xmlns:p14="http://schemas.microsoft.com/office/powerpoint/2010/main" val="709301145"/>
+      </p:ext>
+    </p:extLst>
+  </p:cSld>
+  <p:clrMapOvr>
+    <a:masterClrMapping/>
+  </p:clrMapOvr>
+</p:sld>
+</file>
+
+<file path=ppt/slides/slide7.xml><?xml version="1.0" encoding="utf-8"?>
+<p:sld xmlns:a="http://schemas.openxmlformats.org/drawingml/2006/main" xmlns:r="http://schemas.openxmlformats.org/officeDocument/2006/relationships" xmlns:p="http://schemas.openxmlformats.org/presentationml/2006/main">
+  <p:cSld>
+    <p:spTree>
+      <p:nvGrpSpPr>
+        <p:cNvPr id="1" name=""/>
+        <p:cNvGrpSpPr/>
+        <p:nvPr/>
+      </p:nvGrpSpPr>
+      <p:grpSpPr>
+        <a:xfrm>
+          <a:off x="0" y="0"/>
+          <a:ext cx="0" cy="0"/>
+          <a:chOff x="0" y="0"/>
+          <a:chExt cx="0" cy="0"/>
+        </a:xfrm>
+      </p:grpSpPr>
+      <p:sp>
+        <p:nvSpPr>
+          <p:cNvPr id="2" name="Titre 1">
+            <a:extLst>
+              <a:ext uri="{FF2B5EF4-FFF2-40B4-BE49-F238E27FC236}">
+                <a16:creationId xmlns:a16="http://schemas.microsoft.com/office/drawing/2014/main" id="{25FD5458-8DC6-4779-AB6E-280185715394}"/>
+              </a:ext>
+            </a:extLst>
+          </p:cNvPr>
+          <p:cNvSpPr>
+            <a:spLocks noGrp="1"/>
+          </p:cNvSpPr>
+          <p:nvPr>
+            <p:ph type="title"/>
+          </p:nvPr>
+        </p:nvSpPr>
+        <p:spPr>
+          <a:xfrm>
+            <a:off x="813033" y="71510"/>
+            <a:ext cx="10515600" cy="1325563"/>
+          </a:xfrm>
+        </p:spPr>
+        <p:txBody>
+          <a:bodyPr/>
+          <a:lstStyle/>
+          <a:p>
+            <a:r>
+              <a:rPr lang="fr-FR" dirty="0"/>
+              <a:t>Cartes</a:t>
+            </a:r>
+          </a:p>
+        </p:txBody>
+      </p:sp>
+      <p:sp>
+        <p:nvSpPr>
+          <p:cNvPr id="4" name="ZoneTexte 3">
+            <a:extLst>
+              <a:ext uri="{FF2B5EF4-FFF2-40B4-BE49-F238E27FC236}">
+                <a16:creationId xmlns:a16="http://schemas.microsoft.com/office/drawing/2014/main" id="{EB7FF160-0EBA-411B-9CCD-6F194EDE68B0}"/>
+              </a:ext>
+            </a:extLst>
+          </p:cNvPr>
+          <p:cNvSpPr txBox="1"/>
+          <p:nvPr/>
+        </p:nvSpPr>
+        <p:spPr>
+          <a:xfrm>
+            <a:off x="511728" y="1048624"/>
+            <a:ext cx="6283355" cy="5909310"/>
+          </a:xfrm>
+          <a:prstGeom prst="rect">
+            <a:avLst/>
+          </a:prstGeom>
+          <a:noFill/>
+        </p:spPr>
+        <p:txBody>
+          <a:bodyPr wrap="square" rtlCol="0">
+            <a:spAutoFit/>
+          </a:bodyPr>
+          <a:lstStyle/>
+          <a:p>
+            <a:r>
+              <a:rPr lang="fr-FR" dirty="0"/>
+              <a:t>Chaque joueur à 16 cartes :</a:t>
+            </a:r>
+          </a:p>
+          <a:p>
+            <a:pPr marL="285750" indent="-285750">
+              <a:buFont typeface="Arial" panose="020B0604020202020204" pitchFamily="34" charset="0"/>
+              <a:buChar char="•"/>
+            </a:pPr>
+            <a:r>
+              <a:rPr lang="fr-FR" dirty="0"/>
+              <a:t>6 cartes balles (1 à 6)</a:t>
+            </a:r>
+          </a:p>
+          <a:p>
+            <a:pPr marL="285750" indent="-285750">
+              <a:buFont typeface="Arial" panose="020B0604020202020204" pitchFamily="34" charset="0"/>
+              <a:buChar char="•"/>
+            </a:pPr>
+            <a:r>
+              <a:rPr lang="fr-FR" dirty="0"/>
+              <a:t>2 cartes droite/gauche</a:t>
+            </a:r>
+          </a:p>
+          <a:p>
+            <a:pPr marL="285750" indent="-285750">
+              <a:buFont typeface="Arial" panose="020B0604020202020204" pitchFamily="34" charset="0"/>
+              <a:buChar char="•"/>
+            </a:pPr>
+            <a:r>
+              <a:rPr lang="fr-FR" dirty="0"/>
+              <a:t>2 cartes haut/bas</a:t>
+            </a:r>
+          </a:p>
+          <a:p>
+            <a:pPr marL="285750" indent="-285750">
+              <a:buFont typeface="Arial" panose="020B0604020202020204" pitchFamily="34" charset="0"/>
+              <a:buChar char="•"/>
+            </a:pPr>
+            <a:r>
+              <a:rPr lang="fr-FR" dirty="0"/>
+              <a:t>2 cartes tirs</a:t>
+            </a:r>
+          </a:p>
+          <a:p>
+            <a:pPr marL="285750" indent="-285750">
+              <a:buFont typeface="Arial" panose="020B0604020202020204" pitchFamily="34" charset="0"/>
+              <a:buChar char="•"/>
+            </a:pPr>
+            <a:r>
+              <a:rPr lang="fr-FR" dirty="0"/>
+              <a:t>2 cartes pille</a:t>
+            </a:r>
+          </a:p>
+          <a:p>
+            <a:pPr marL="285750" indent="-285750">
+              <a:buFont typeface="Arial" panose="020B0604020202020204" pitchFamily="34" charset="0"/>
+              <a:buChar char="•"/>
+            </a:pPr>
+            <a:r>
+              <a:rPr lang="fr-FR" dirty="0"/>
+              <a:t>1 carte </a:t>
+            </a:r>
+            <a:r>
+              <a:rPr lang="fr-FR" dirty="0" err="1"/>
+              <a:t>marshall</a:t>
+            </a:r>
+            <a:endParaRPr lang="fr-FR" dirty="0"/>
+          </a:p>
+          <a:p>
+            <a:pPr marL="285750" indent="-285750">
+              <a:buFont typeface="Arial" panose="020B0604020202020204" pitchFamily="34" charset="0"/>
+              <a:buChar char="•"/>
+            </a:pPr>
+            <a:r>
+              <a:rPr lang="fr-FR" dirty="0"/>
+              <a:t>1 carte coup de poing</a:t>
+            </a:r>
+          </a:p>
+          <a:p>
+            <a:pPr marL="285750" indent="-285750">
+              <a:buFont typeface="Arial" panose="020B0604020202020204" pitchFamily="34" charset="0"/>
+              <a:buChar char="•"/>
+            </a:pPr>
+            <a:endParaRPr lang="fr-FR" dirty="0"/>
+          </a:p>
+          <a:p>
+            <a:r>
+              <a:rPr lang="fr-FR" dirty="0"/>
+              <a:t>Plus les cartes du </a:t>
+            </a:r>
+            <a:r>
+              <a:rPr lang="fr-FR" dirty="0" err="1"/>
+              <a:t>marshall</a:t>
+            </a:r>
+            <a:endParaRPr lang="fr-FR" dirty="0"/>
+          </a:p>
+          <a:p>
+            <a:pPr marL="285750" indent="-285750">
+              <a:buFont typeface="Arial" panose="020B0604020202020204" pitchFamily="34" charset="0"/>
+              <a:buChar char="•"/>
+            </a:pPr>
+            <a:r>
+              <a:rPr lang="fr-FR" dirty="0"/>
+              <a:t>13 cartes balles</a:t>
+            </a:r>
+          </a:p>
+          <a:p>
+            <a:pPr marL="285750" indent="-285750">
+              <a:buFont typeface="Arial" panose="020B0604020202020204" pitchFamily="34" charset="0"/>
+              <a:buChar char="•"/>
+            </a:pPr>
+            <a:endParaRPr lang="fr-FR" dirty="0"/>
+          </a:p>
+          <a:p>
+            <a:r>
+              <a:rPr lang="fr-FR" dirty="0"/>
+              <a:t>Les cartes sont rangées dans l’ordre ci-dessus avec pour chaque joueur les 16 cartes et à la fin les 13 cartes du </a:t>
+            </a:r>
+            <a:r>
+              <a:rPr lang="fr-FR" dirty="0" err="1"/>
+              <a:t>marshall</a:t>
+            </a:r>
+            <a:r>
+              <a:rPr lang="fr-FR" dirty="0"/>
+              <a:t>.</a:t>
+            </a:r>
+          </a:p>
+          <a:p>
+            <a:endParaRPr lang="fr-FR" dirty="0"/>
+          </a:p>
+          <a:p>
+            <a:r>
+              <a:rPr lang="fr-FR" dirty="0"/>
+              <a:t>Les joueurs sont dans l’ordre suivant : </a:t>
+            </a:r>
+          </a:p>
+          <a:p>
+            <a:pPr marL="342900" indent="-342900">
+              <a:buFont typeface="+mj-lt"/>
+              <a:buAutoNum type="arabicPeriod"/>
+            </a:pPr>
+            <a:r>
+              <a:rPr lang="fr-FR" dirty="0"/>
+              <a:t>Belle</a:t>
+            </a:r>
+          </a:p>
+          <a:p>
+            <a:pPr marL="342900" indent="-342900">
+              <a:buFont typeface="+mj-lt"/>
+              <a:buAutoNum type="arabicPeriod"/>
+            </a:pPr>
+            <a:r>
+              <a:rPr lang="fr-FR" dirty="0"/>
+              <a:t>Doc</a:t>
+            </a:r>
+          </a:p>
+          <a:p>
+            <a:pPr marL="342900" indent="-342900">
+              <a:buFont typeface="+mj-lt"/>
+              <a:buAutoNum type="arabicPeriod"/>
+            </a:pPr>
+            <a:r>
+              <a:rPr lang="fr-FR" dirty="0"/>
+              <a:t>Cheyenne</a:t>
+            </a:r>
+          </a:p>
+          <a:p>
+            <a:pPr marL="342900" indent="-342900">
+              <a:buFont typeface="+mj-lt"/>
+              <a:buAutoNum type="arabicPeriod"/>
+            </a:pPr>
+            <a:r>
+              <a:rPr lang="fr-FR" dirty="0" err="1"/>
+              <a:t>Ghost</a:t>
+            </a:r>
+            <a:endParaRPr lang="fr-FR" dirty="0"/>
+          </a:p>
+          <a:p>
+            <a:endParaRPr lang="fr-FR" dirty="0"/>
+          </a:p>
+        </p:txBody>
+      </p:sp>
+      <p:sp>
+        <p:nvSpPr>
+          <p:cNvPr id="5" name="ZoneTexte 4">
+            <a:extLst>
+              <a:ext uri="{FF2B5EF4-FFF2-40B4-BE49-F238E27FC236}">
+                <a16:creationId xmlns:a16="http://schemas.microsoft.com/office/drawing/2014/main" id="{8566F283-3151-4E8D-B1E7-C8F0802D86BC}"/>
+              </a:ext>
+            </a:extLst>
+          </p:cNvPr>
+          <p:cNvSpPr txBox="1"/>
+          <p:nvPr/>
+        </p:nvSpPr>
+        <p:spPr>
+          <a:xfrm>
+            <a:off x="5756246" y="863958"/>
+            <a:ext cx="6283355" cy="4247317"/>
+          </a:xfrm>
+          <a:prstGeom prst="rect">
+            <a:avLst/>
+          </a:prstGeom>
+          <a:noFill/>
+        </p:spPr>
+        <p:txBody>
+          <a:bodyPr wrap="square" rtlCol="0">
+            <a:spAutoFit/>
+          </a:bodyPr>
+          <a:lstStyle/>
+          <a:p>
+            <a:r>
+              <a:rPr lang="fr-FR" dirty="0"/>
+              <a:t>Pour identifier le type de carte : </a:t>
+            </a:r>
+          </a:p>
+          <a:p>
+            <a:pPr marL="285750" indent="-285750">
+              <a:buFont typeface="Arial" panose="020B0604020202020204" pitchFamily="34" charset="0"/>
+              <a:buChar char="•"/>
+            </a:pPr>
+            <a:r>
+              <a:rPr lang="fr-FR" dirty="0"/>
+              <a:t>Si 64 à 76 </a:t>
+            </a:r>
+            <a:r>
+              <a:rPr lang="fr-FR" dirty="0">
+                <a:sym typeface="Wingdings" panose="05000000000000000000" pitchFamily="2" charset="2"/>
+              </a:rPr>
+              <a:t> balles du sheriff</a:t>
+            </a:r>
+          </a:p>
+          <a:p>
+            <a:pPr marL="285750" indent="-285750">
+              <a:buFont typeface="Arial" panose="020B0604020202020204" pitchFamily="34" charset="0"/>
+              <a:buChar char="•"/>
+            </a:pPr>
+            <a:r>
+              <a:rPr lang="fr-FR" dirty="0"/>
+              <a:t>Si 0&lt;=nb%16&lt;6 </a:t>
+            </a:r>
+            <a:r>
+              <a:rPr lang="fr-FR" dirty="0">
+                <a:sym typeface="Wingdings" panose="05000000000000000000" pitchFamily="2" charset="2"/>
+              </a:rPr>
+              <a:t> balle</a:t>
+            </a:r>
+          </a:p>
+          <a:p>
+            <a:pPr marL="285750" indent="-285750">
+              <a:buFont typeface="Arial" panose="020B0604020202020204" pitchFamily="34" charset="0"/>
+              <a:buChar char="•"/>
+            </a:pPr>
+            <a:r>
+              <a:rPr lang="fr-FR" dirty="0"/>
+              <a:t>Si 6&lt;=nb%16&lt;8 </a:t>
+            </a:r>
+            <a:r>
+              <a:rPr lang="fr-FR" dirty="0">
+                <a:sym typeface="Wingdings" panose="05000000000000000000" pitchFamily="2" charset="2"/>
+              </a:rPr>
+              <a:t> droite/gauche</a:t>
+            </a:r>
+          </a:p>
+          <a:p>
+            <a:pPr marL="285750" indent="-285750">
+              <a:buFont typeface="Arial" panose="020B0604020202020204" pitchFamily="34" charset="0"/>
+              <a:buChar char="•"/>
+            </a:pPr>
+            <a:r>
+              <a:rPr lang="fr-FR" dirty="0"/>
+              <a:t>Si 8&lt;=nb%16&lt;10 </a:t>
+            </a:r>
+            <a:r>
+              <a:rPr lang="fr-FR" dirty="0">
+                <a:sym typeface="Wingdings" panose="05000000000000000000" pitchFamily="2" charset="2"/>
+              </a:rPr>
+              <a:t> haut/bas</a:t>
+            </a:r>
+          </a:p>
+          <a:p>
+            <a:pPr marL="285750" indent="-285750">
+              <a:buFont typeface="Arial" panose="020B0604020202020204" pitchFamily="34" charset="0"/>
+              <a:buChar char="•"/>
+            </a:pPr>
+            <a:r>
+              <a:rPr lang="fr-FR" dirty="0"/>
+              <a:t>Si 10&lt;=nb%16&lt;12 </a:t>
+            </a:r>
+            <a:r>
+              <a:rPr lang="fr-FR" dirty="0">
+                <a:sym typeface="Wingdings" panose="05000000000000000000" pitchFamily="2" charset="2"/>
+              </a:rPr>
+              <a:t> tir</a:t>
+            </a:r>
+          </a:p>
+          <a:p>
+            <a:pPr marL="285750" indent="-285750">
+              <a:buFont typeface="Arial" panose="020B0604020202020204" pitchFamily="34" charset="0"/>
+              <a:buChar char="•"/>
+            </a:pPr>
+            <a:r>
+              <a:rPr lang="fr-FR" dirty="0"/>
+              <a:t>Si 12&lt;=nb%16&lt;14 </a:t>
+            </a:r>
+            <a:r>
+              <a:rPr lang="fr-FR" dirty="0">
+                <a:sym typeface="Wingdings" panose="05000000000000000000" pitchFamily="2" charset="2"/>
+              </a:rPr>
+              <a:t> pille</a:t>
+            </a:r>
+          </a:p>
+          <a:p>
+            <a:pPr marL="285750" indent="-285750">
+              <a:buFont typeface="Arial" panose="020B0604020202020204" pitchFamily="34" charset="0"/>
+              <a:buChar char="•"/>
+            </a:pPr>
+            <a:r>
+              <a:rPr lang="fr-FR" dirty="0"/>
+              <a:t>Si nb%16==14</a:t>
+            </a:r>
+            <a:r>
+              <a:rPr lang="fr-FR" dirty="0">
+                <a:sym typeface="Wingdings" panose="05000000000000000000" pitchFamily="2" charset="2"/>
+              </a:rPr>
+              <a:t> Marshall</a:t>
+            </a:r>
+          </a:p>
+          <a:p>
+            <a:pPr marL="285750" indent="-285750">
+              <a:buFont typeface="Arial" panose="020B0604020202020204" pitchFamily="34" charset="0"/>
+              <a:buChar char="•"/>
+            </a:pPr>
+            <a:r>
+              <a:rPr lang="fr-FR" dirty="0"/>
+              <a:t>Si nb%16==15</a:t>
+            </a:r>
+            <a:r>
+              <a:rPr lang="fr-FR" dirty="0">
+                <a:sym typeface="Wingdings" panose="05000000000000000000" pitchFamily="2" charset="2"/>
+              </a:rPr>
+              <a:t> Poing</a:t>
+            </a:r>
+          </a:p>
+          <a:p>
+            <a:pPr marL="285750" indent="-285750">
+              <a:buFont typeface="Arial" panose="020B0604020202020204" pitchFamily="34" charset="0"/>
+              <a:buChar char="•"/>
+            </a:pPr>
+            <a:endParaRPr lang="fr-FR" dirty="0">
+              <a:sym typeface="Wingdings" panose="05000000000000000000" pitchFamily="2" charset="2"/>
+            </a:endParaRPr>
+          </a:p>
+          <a:p>
+            <a:r>
+              <a:rPr lang="fr-FR" dirty="0">
+                <a:sym typeface="Wingdings" panose="05000000000000000000" pitchFamily="2" charset="2"/>
+              </a:rPr>
+              <a:t>Pour identifier le joueur:</a:t>
+            </a:r>
+          </a:p>
+          <a:p>
+            <a:pPr marL="285750" indent="-285750">
+              <a:buFont typeface="Arial" panose="020B0604020202020204" pitchFamily="34" charset="0"/>
+              <a:buChar char="•"/>
+            </a:pPr>
+            <a:r>
+              <a:rPr lang="fr-FR" dirty="0">
+                <a:sym typeface="Wingdings" panose="05000000000000000000" pitchFamily="2" charset="2"/>
+              </a:rPr>
+              <a:t>nb/16 = </a:t>
+            </a:r>
+            <a:r>
+              <a:rPr lang="fr-FR" dirty="0" err="1">
+                <a:sym typeface="Wingdings" panose="05000000000000000000" pitchFamily="2" charset="2"/>
+              </a:rPr>
+              <a:t>numJoueur</a:t>
+            </a:r>
+            <a:endParaRPr lang="fr-FR" dirty="0">
+              <a:sym typeface="Wingdings" panose="05000000000000000000" pitchFamily="2" charset="2"/>
+            </a:endParaRPr>
+          </a:p>
+          <a:p>
+            <a:pPr marL="285750" indent="-285750">
+              <a:buFont typeface="Arial" panose="020B0604020202020204" pitchFamily="34" charset="0"/>
+              <a:buChar char="•"/>
+            </a:pPr>
+            <a:endParaRPr lang="fr-FR" dirty="0">
+              <a:sym typeface="Wingdings" panose="05000000000000000000" pitchFamily="2" charset="2"/>
+            </a:endParaRPr>
+          </a:p>
+          <a:p>
+            <a:endParaRPr lang="fr-FR" dirty="0">
+              <a:sym typeface="Wingdings" panose="05000000000000000000" pitchFamily="2" charset="2"/>
+            </a:endParaRPr>
+          </a:p>
+          <a:p>
+            <a:pPr marL="285750" indent="-285750">
+              <a:buFont typeface="Arial" panose="020B0604020202020204" pitchFamily="34" charset="0"/>
+              <a:buChar char="•"/>
+            </a:pPr>
+            <a:endParaRPr lang="fr-FR" dirty="0"/>
+          </a:p>
+        </p:txBody>
+      </p:sp>
+    </p:spTree>
+    <p:extLst>
+      <p:ext uri="{BB962C8B-B14F-4D97-AF65-F5344CB8AC3E}">
+        <p14:creationId xmlns:p14="http://schemas.microsoft.com/office/powerpoint/2010/main" val="2991021854"/>
       </p:ext>
     </p:extLst>
   </p:cSld>

--- a/Documents/Descriptif.pptx
+++ b/Documents/Descriptif.pptx
@@ -273,7 +273,7 @@
           <a:p>
             <a:fld id="{811B74F4-BBCD-4282-8A89-15F8C25B0594}" type="datetimeFigureOut">
               <a:rPr lang="fr-FR" smtClean="0"/>
-              <a:t>13/06/2017</a:t>
+              <a:t>15/06/2017</a:t>
             </a:fld>
             <a:endParaRPr lang="fr-FR"/>
           </a:p>
@@ -471,7 +471,7 @@
           <a:p>
             <a:fld id="{811B74F4-BBCD-4282-8A89-15F8C25B0594}" type="datetimeFigureOut">
               <a:rPr lang="fr-FR" smtClean="0"/>
-              <a:t>13/06/2017</a:t>
+              <a:t>15/06/2017</a:t>
             </a:fld>
             <a:endParaRPr lang="fr-FR"/>
           </a:p>
@@ -679,7 +679,7 @@
           <a:p>
             <a:fld id="{811B74F4-BBCD-4282-8A89-15F8C25B0594}" type="datetimeFigureOut">
               <a:rPr lang="fr-FR" smtClean="0"/>
-              <a:t>13/06/2017</a:t>
+              <a:t>15/06/2017</a:t>
             </a:fld>
             <a:endParaRPr lang="fr-FR"/>
           </a:p>
@@ -877,7 +877,7 @@
           <a:p>
             <a:fld id="{811B74F4-BBCD-4282-8A89-15F8C25B0594}" type="datetimeFigureOut">
               <a:rPr lang="fr-FR" smtClean="0"/>
-              <a:t>13/06/2017</a:t>
+              <a:t>15/06/2017</a:t>
             </a:fld>
             <a:endParaRPr lang="fr-FR"/>
           </a:p>
@@ -1152,7 +1152,7 @@
           <a:p>
             <a:fld id="{811B74F4-BBCD-4282-8A89-15F8C25B0594}" type="datetimeFigureOut">
               <a:rPr lang="fr-FR" smtClean="0"/>
-              <a:t>13/06/2017</a:t>
+              <a:t>15/06/2017</a:t>
             </a:fld>
             <a:endParaRPr lang="fr-FR"/>
           </a:p>
@@ -1417,7 +1417,7 @@
           <a:p>
             <a:fld id="{811B74F4-BBCD-4282-8A89-15F8C25B0594}" type="datetimeFigureOut">
               <a:rPr lang="fr-FR" smtClean="0"/>
-              <a:t>13/06/2017</a:t>
+              <a:t>15/06/2017</a:t>
             </a:fld>
             <a:endParaRPr lang="fr-FR"/>
           </a:p>
@@ -1829,7 +1829,7 @@
           <a:p>
             <a:fld id="{811B74F4-BBCD-4282-8A89-15F8C25B0594}" type="datetimeFigureOut">
               <a:rPr lang="fr-FR" smtClean="0"/>
-              <a:t>13/06/2017</a:t>
+              <a:t>15/06/2017</a:t>
             </a:fld>
             <a:endParaRPr lang="fr-FR"/>
           </a:p>
@@ -1970,7 +1970,7 @@
           <a:p>
             <a:fld id="{811B74F4-BBCD-4282-8A89-15F8C25B0594}" type="datetimeFigureOut">
               <a:rPr lang="fr-FR" smtClean="0"/>
-              <a:t>13/06/2017</a:t>
+              <a:t>15/06/2017</a:t>
             </a:fld>
             <a:endParaRPr lang="fr-FR"/>
           </a:p>
@@ -2083,7 +2083,7 @@
           <a:p>
             <a:fld id="{811B74F4-BBCD-4282-8A89-15F8C25B0594}" type="datetimeFigureOut">
               <a:rPr lang="fr-FR" smtClean="0"/>
-              <a:t>13/06/2017</a:t>
+              <a:t>15/06/2017</a:t>
             </a:fld>
             <a:endParaRPr lang="fr-FR"/>
           </a:p>
@@ -2394,7 +2394,7 @@
           <a:p>
             <a:fld id="{811B74F4-BBCD-4282-8A89-15F8C25B0594}" type="datetimeFigureOut">
               <a:rPr lang="fr-FR" smtClean="0"/>
-              <a:t>13/06/2017</a:t>
+              <a:t>15/06/2017</a:t>
             </a:fld>
             <a:endParaRPr lang="fr-FR"/>
           </a:p>
@@ -2682,7 +2682,7 @@
           <a:p>
             <a:fld id="{811B74F4-BBCD-4282-8A89-15F8C25B0594}" type="datetimeFigureOut">
               <a:rPr lang="fr-FR" smtClean="0"/>
-              <a:t>13/06/2017</a:t>
+              <a:t>15/06/2017</a:t>
             </a:fld>
             <a:endParaRPr lang="fr-FR"/>
           </a:p>
@@ -2923,7 +2923,7 @@
           <a:p>
             <a:fld id="{811B74F4-BBCD-4282-8A89-15F8C25B0594}" type="datetimeFigureOut">
               <a:rPr lang="fr-FR" smtClean="0"/>
-              <a:t>13/06/2017</a:t>
+              <a:t>15/06/2017</a:t>
             </a:fld>
             <a:endParaRPr lang="fr-FR"/>
           </a:p>
@@ -5596,8 +5596,8 @@
         </p:nvSpPr>
         <p:spPr>
           <a:xfrm>
-            <a:off x="10771872" y="3446278"/>
-            <a:ext cx="1223167" cy="2930953"/>
+            <a:off x="10393553" y="3509963"/>
+            <a:ext cx="2179920" cy="3088746"/>
           </a:xfrm>
           <a:prstGeom prst="upArrowCallout">
             <a:avLst>
@@ -5670,16 +5670,40 @@
               <a:rPr lang="fr-FR" sz="1200" dirty="0">
                 <a:sym typeface="Wingdings" panose="05000000000000000000" pitchFamily="2" charset="2"/>
               </a:rPr>
-              <a:t>2  fin manche</a:t>
+              <a:t>2  fin manche (dévoile)</a:t>
             </a:r>
           </a:p>
           <a:p>
             <a:pPr algn="ctr"/>
+            <a:r>
+              <a:rPr lang="fr-FR" sz="1200">
+                <a:sym typeface="Wingdings" panose="05000000000000000000" pitchFamily="2" charset="2"/>
+              </a:rPr>
+              <a:t>3  attend </a:t>
+            </a:r>
             <a:r>
               <a:rPr lang="fr-FR" sz="1200" dirty="0">
                 <a:sym typeface="Wingdings" panose="05000000000000000000" pitchFamily="2" charset="2"/>
               </a:rPr>
-              <a:t>3  fin jeu </a:t>
+              <a:t>réponse </a:t>
+            </a:r>
+            <a:r>
+              <a:rPr lang="fr-FR" sz="1200">
+                <a:sym typeface="Wingdings" panose="05000000000000000000" pitchFamily="2" charset="2"/>
+              </a:rPr>
+              <a:t>gauche droite</a:t>
+            </a:r>
+            <a:endParaRPr lang="fr-FR" sz="1200" dirty="0">
+              <a:sym typeface="Wingdings" panose="05000000000000000000" pitchFamily="2" charset="2"/>
+            </a:endParaRPr>
+          </a:p>
+          <a:p>
+            <a:pPr algn="ctr"/>
+            <a:r>
+              <a:rPr lang="fr-FR" sz="1200" dirty="0">
+                <a:sym typeface="Wingdings" panose="05000000000000000000" pitchFamily="2" charset="2"/>
+              </a:rPr>
+              <a:t>4  fin jeu </a:t>
             </a:r>
             <a:endParaRPr lang="fr-FR" sz="1200" dirty="0"/>
           </a:p>

--- a/Documents/Descriptif.pptx
+++ b/Documents/Descriptif.pptx
@@ -5676,34 +5676,28 @@
           <a:p>
             <a:pPr algn="ctr"/>
             <a:r>
+              <a:rPr lang="fr-FR" sz="1200" dirty="0">
+                <a:sym typeface="Wingdings" panose="05000000000000000000" pitchFamily="2" charset="2"/>
+              </a:rPr>
+              <a:t>3  attend réponse gauche droite</a:t>
+            </a:r>
+          </a:p>
+          <a:p>
+            <a:pPr algn="ctr"/>
+            <a:r>
+              <a:rPr lang="fr-FR" sz="1200" dirty="0">
+                <a:sym typeface="Wingdings" panose="05000000000000000000" pitchFamily="2" charset="2"/>
+              </a:rPr>
+              <a:t>4  fin jeu WIN</a:t>
+            </a:r>
+          </a:p>
+          <a:p>
+            <a:pPr algn="ctr"/>
+            <a:r>
               <a:rPr lang="fr-FR" sz="1200">
                 <a:sym typeface="Wingdings" panose="05000000000000000000" pitchFamily="2" charset="2"/>
               </a:rPr>
-              <a:t>3  attend </a:t>
-            </a:r>
-            <a:r>
-              <a:rPr lang="fr-FR" sz="1200" dirty="0">
-                <a:sym typeface="Wingdings" panose="05000000000000000000" pitchFamily="2" charset="2"/>
-              </a:rPr>
-              <a:t>réponse </a:t>
-            </a:r>
-            <a:r>
-              <a:rPr lang="fr-FR" sz="1200">
-                <a:sym typeface="Wingdings" panose="05000000000000000000" pitchFamily="2" charset="2"/>
-              </a:rPr>
-              <a:t>gauche droite</a:t>
-            </a:r>
-            <a:endParaRPr lang="fr-FR" sz="1200" dirty="0">
-              <a:sym typeface="Wingdings" panose="05000000000000000000" pitchFamily="2" charset="2"/>
-            </a:endParaRPr>
-          </a:p>
-          <a:p>
-            <a:pPr algn="ctr"/>
-            <a:r>
-              <a:rPr lang="fr-FR" sz="1200" dirty="0">
-                <a:sym typeface="Wingdings" panose="05000000000000000000" pitchFamily="2" charset="2"/>
-              </a:rPr>
-              <a:t>4  fin jeu </a:t>
+              <a:t>5  fin jeu LOOSE</a:t>
             </a:r>
             <a:endParaRPr lang="fr-FR" sz="1200" dirty="0"/>
           </a:p>

--- a/Documents/Descriptif.pptx
+++ b/Documents/Descriptif.pptx
@@ -5694,7 +5694,7 @@
           <a:p>
             <a:pPr algn="ctr"/>
             <a:r>
-              <a:rPr lang="fr-FR" sz="1200">
+              <a:rPr lang="fr-FR" sz="1200" dirty="0">
                 <a:sym typeface="Wingdings" panose="05000000000000000000" pitchFamily="2" charset="2"/>
               </a:rPr>
               <a:t>5  fin jeu LOOSE</a:t>
